--- a/PRESENTATION/neo4j.pptx
+++ b/PRESENTATION/neo4j.pptx
@@ -7,13 +7,16 @@
   <p:sldIdLst>
     <p:sldId id="256" r:id="rId2"/>
     <p:sldId id="258" r:id="rId3"/>
-    <p:sldId id="257" r:id="rId4"/>
-    <p:sldId id="259" r:id="rId5"/>
-    <p:sldId id="260" r:id="rId6"/>
-    <p:sldId id="261" r:id="rId7"/>
-    <p:sldId id="262" r:id="rId8"/>
-    <p:sldId id="263" r:id="rId9"/>
-    <p:sldId id="264" r:id="rId10"/>
+    <p:sldId id="259" r:id="rId4"/>
+    <p:sldId id="260" r:id="rId5"/>
+    <p:sldId id="261" r:id="rId6"/>
+    <p:sldId id="262" r:id="rId7"/>
+    <p:sldId id="263" r:id="rId8"/>
+    <p:sldId id="266" r:id="rId9"/>
+    <p:sldId id="267" r:id="rId10"/>
+    <p:sldId id="268" r:id="rId11"/>
+    <p:sldId id="265" r:id="rId12"/>
+    <p:sldId id="264" r:id="rId13"/>
   </p:sldIdLst>
   <p:sldSz cx="12192000" cy="6858000"/>
   <p:notesSz cx="6858000" cy="9144000"/>
@@ -112,6 +115,11 @@
       </a:defRPr>
     </a:lvl9pPr>
   </p:defaultTextStyle>
+  <p:extLst>
+    <p:ext uri="{EFAFB233-063F-42B5-8137-9DF3F51BA10A}">
+      <p15:sldGuideLst xmlns:p15="http://schemas.microsoft.com/office/powerpoint/2012/main"/>
+    </p:ext>
+  </p:extLst>
 </p:presentation>
 </file>
 
@@ -340,7 +348,7 @@
             <a:fld id="{5586B75A-687E-405C-8A0B-8D00578BA2C3}" type="datetimeFigureOut">
               <a:rPr lang="en-US" dirty="0"/>
               <a:pPr/>
-              <a:t>3/6/20</a:t>
+              <a:t>3/14/20</a:t>
             </a:fld>
             <a:endParaRPr lang="en-US" dirty="0"/>
           </a:p>
@@ -507,7 +515,7 @@
             <a:fld id="{5586B75A-687E-405C-8A0B-8D00578BA2C3}" type="datetimeFigureOut">
               <a:rPr lang="en-US" dirty="0"/>
               <a:pPr/>
-              <a:t>3/6/20</a:t>
+              <a:t>3/14/20</a:t>
             </a:fld>
             <a:endParaRPr lang="en-US" dirty="0"/>
           </a:p>
@@ -684,7 +692,7 @@
             <a:fld id="{5586B75A-687E-405C-8A0B-8D00578BA2C3}" type="datetimeFigureOut">
               <a:rPr lang="en-US" dirty="0"/>
               <a:pPr/>
-              <a:t>3/6/20</a:t>
+              <a:t>3/14/20</a:t>
             </a:fld>
             <a:endParaRPr lang="en-US" dirty="0"/>
           </a:p>
@@ -851,7 +859,7 @@
             <a:fld id="{5586B75A-687E-405C-8A0B-8D00578BA2C3}" type="datetimeFigureOut">
               <a:rPr lang="en-US" dirty="0"/>
               <a:pPr/>
-              <a:t>3/6/20</a:t>
+              <a:t>3/14/20</a:t>
             </a:fld>
             <a:endParaRPr lang="en-US" dirty="0"/>
           </a:p>
@@ -1106,7 +1114,7 @@
             <a:fld id="{5586B75A-687E-405C-8A0B-8D00578BA2C3}" type="datetimeFigureOut">
               <a:rPr lang="en-US" dirty="0"/>
               <a:pPr/>
-              <a:t>3/6/20</a:t>
+              <a:t>3/14/20</a:t>
             </a:fld>
             <a:endParaRPr lang="en-US" dirty="0"/>
           </a:p>
@@ -1391,7 +1399,7 @@
             <a:fld id="{5586B75A-687E-405C-8A0B-8D00578BA2C3}" type="datetimeFigureOut">
               <a:rPr lang="en-US" dirty="0"/>
               <a:pPr/>
-              <a:t>3/6/20</a:t>
+              <a:t>3/14/20</a:t>
             </a:fld>
             <a:endParaRPr lang="en-US" dirty="0"/>
           </a:p>
@@ -1830,7 +1838,7 @@
             <a:fld id="{5586B75A-687E-405C-8A0B-8D00578BA2C3}" type="datetimeFigureOut">
               <a:rPr lang="en-US" dirty="0"/>
               <a:pPr/>
-              <a:t>3/6/20</a:t>
+              <a:t>3/14/20</a:t>
             </a:fld>
             <a:endParaRPr lang="en-US" dirty="0"/>
           </a:p>
@@ -1945,7 +1953,7 @@
             <a:fld id="{5586B75A-687E-405C-8A0B-8D00578BA2C3}" type="datetimeFigureOut">
               <a:rPr lang="en-US" dirty="0"/>
               <a:pPr/>
-              <a:t>3/6/20</a:t>
+              <a:t>3/14/20</a:t>
             </a:fld>
             <a:endParaRPr lang="en-US" dirty="0"/>
           </a:p>
@@ -2037,7 +2045,7 @@
             <a:fld id="{5586B75A-687E-405C-8A0B-8D00578BA2C3}" type="datetimeFigureOut">
               <a:rPr lang="en-US" dirty="0"/>
               <a:pPr/>
-              <a:t>3/6/20</a:t>
+              <a:t>3/14/20</a:t>
             </a:fld>
             <a:endParaRPr lang="en-US" dirty="0"/>
           </a:p>
@@ -2322,7 +2330,7 @@
             <a:fld id="{5586B75A-687E-405C-8A0B-8D00578BA2C3}" type="datetimeFigureOut">
               <a:rPr lang="en-US" dirty="0"/>
               <a:pPr/>
-              <a:t>3/6/20</a:t>
+              <a:t>3/14/20</a:t>
             </a:fld>
             <a:endParaRPr lang="en-US" dirty="0"/>
           </a:p>
@@ -2592,7 +2600,7 @@
             <a:fld id="{5586B75A-687E-405C-8A0B-8D00578BA2C3}" type="datetimeFigureOut">
               <a:rPr lang="en-US" dirty="0"/>
               <a:pPr/>
-              <a:t>3/6/20</a:t>
+              <a:t>3/14/20</a:t>
             </a:fld>
             <a:endParaRPr lang="en-US" dirty="0"/>
           </a:p>
@@ -2886,7 +2894,7 @@
             <a:fld id="{5586B75A-687E-405C-8A0B-8D00578BA2C3}" type="datetimeFigureOut">
               <a:rPr lang="en-US" dirty="0"/>
               <a:pPr/>
-              <a:t>3/6/20</a:t>
+              <a:t>3/14/20</a:t>
             </a:fld>
             <a:endParaRPr lang="en-US" dirty="0"/>
           </a:p>
@@ -3480,7 +3488,7 @@
 </p:sld>
 </file>
 
-<file path=ppt/slides/slide2.xml><?xml version="1.0" encoding="utf-8"?>
+<file path=ppt/slides/slide10.xml><?xml version="1.0" encoding="utf-8"?>
 <p:sld xmlns:a="http://schemas.openxmlformats.org/drawingml/2006/main" xmlns:r="http://schemas.openxmlformats.org/officeDocument/2006/relationships" xmlns:p="http://schemas.openxmlformats.org/presentationml/2006/main">
   <p:cSld>
     <p:spTree>
@@ -3502,7 +3510,7 @@
           <p:cNvPr id="2" name="Title 1">
             <a:extLst>
               <a:ext uri="{FF2B5EF4-FFF2-40B4-BE49-F238E27FC236}">
-                <a16:creationId xmlns:a16="http://schemas.microsoft.com/office/drawing/2014/main" id="{7BCB61DB-A836-AE49-8ECD-5068D5E5F3C1}"/>
+                <a16:creationId xmlns:a16="http://schemas.microsoft.com/office/drawing/2014/main" id="{65786771-A290-BF42-87E8-0FCDA9B669E8}"/>
               </a:ext>
             </a:extLst>
           </p:cNvPr>
@@ -3513,21 +3521,15 @@
             <p:ph type="title"/>
           </p:nvPr>
         </p:nvSpPr>
-        <p:spPr>
-          <a:xfrm>
-            <a:off x="129310" y="1123837"/>
-            <a:ext cx="3177308" cy="4601183"/>
-          </a:xfrm>
-        </p:spPr>
+        <p:spPr/>
         <p:txBody>
           <a:bodyPr/>
           <a:lstStyle/>
           <a:p>
             <a:r>
-              <a:rPr lang="en-ES"/>
-              <a:t>Problema existente</a:t>
-            </a:r>
-            <a:endParaRPr lang="en-ES" dirty="0"/>
+              <a:rPr lang="en-ES" dirty="0"/>
+              <a:t>Otras características</a:t>
+            </a:r>
           </a:p>
         </p:txBody>
       </p:sp>
@@ -3536,7 +3538,7 @@
           <p:cNvPr id="3" name="Content Placeholder 2">
             <a:extLst>
               <a:ext uri="{FF2B5EF4-FFF2-40B4-BE49-F238E27FC236}">
-                <a16:creationId xmlns:a16="http://schemas.microsoft.com/office/drawing/2014/main" id="{23F09394-18CE-A74C-BF5D-150E845B9E3A}"/>
+                <a16:creationId xmlns:a16="http://schemas.microsoft.com/office/drawing/2014/main" id="{D2A82C59-7D8F-6B4D-8BEC-95E8845CE91D}"/>
               </a:ext>
             </a:extLst>
           </p:cNvPr>
@@ -3552,17 +3554,106 @@
           <a:bodyPr/>
           <a:lstStyle/>
           <a:p>
-            <a:pPr marL="0" indent="0">
-              <a:buNone/>
-            </a:pPr>
+            <a:r>
+              <a:rPr lang="en-ES" dirty="0"/>
+              <a:t>Lista para replicación grantizando alta disponibilidad y posibilidad de relizar transacciones, NO CONSISTENCIA</a:t>
+            </a:r>
+          </a:p>
+          <a:p>
             <a:endParaRPr lang="en-ES" dirty="0"/>
           </a:p>
-        </p:txBody>
-      </p:sp>
+          <a:p>
+            <a:r>
+              <a:rPr lang="en-ES" dirty="0"/>
+              <a:t>Grandes capacidades para visualizar los datos</a:t>
+            </a:r>
+          </a:p>
+          <a:p>
+            <a:endParaRPr lang="en-ES" dirty="0"/>
+          </a:p>
+          <a:p>
+            <a:endParaRPr lang="en-ES" dirty="0"/>
+          </a:p>
+          <a:p>
+            <a:endParaRPr lang="en-ES" dirty="0"/>
+          </a:p>
+          <a:p>
+            <a:endParaRPr lang="en-ES" dirty="0"/>
+          </a:p>
+        </p:txBody>
+      </p:sp>
+      <p:pic>
+        <p:nvPicPr>
+          <p:cNvPr id="4" name="Picture 3" descr="A picture containing indoor, table&#10;&#10;Description automatically generated">
+            <a:extLst>
+              <a:ext uri="{FF2B5EF4-FFF2-40B4-BE49-F238E27FC236}">
+                <a16:creationId xmlns:a16="http://schemas.microsoft.com/office/drawing/2014/main" id="{406F9149-D568-914F-86A2-F51DB9324175}"/>
+              </a:ext>
+            </a:extLst>
+          </p:cNvPr>
+          <p:cNvPicPr/>
+          <p:nvPr/>
+        </p:nvPicPr>
+        <p:blipFill>
+          <a:blip r:embed="rId2" cstate="print">
+            <a:extLst>
+              <a:ext uri="{28A0092B-C50C-407E-A947-70E740481C1C}">
+                <a14:useLocalDpi xmlns:a14="http://schemas.microsoft.com/office/drawing/2010/main" val="0"/>
+              </a:ext>
+            </a:extLst>
+          </a:blip>
+          <a:stretch>
+            <a:fillRect/>
+          </a:stretch>
+        </p:blipFill>
+        <p:spPr>
+          <a:xfrm>
+            <a:off x="3718138" y="3742182"/>
+            <a:ext cx="3808730" cy="2251710"/>
+          </a:xfrm>
+          <a:prstGeom prst="rect">
+            <a:avLst/>
+          </a:prstGeom>
+        </p:spPr>
+      </p:pic>
+      <p:pic>
+        <p:nvPicPr>
+          <p:cNvPr id="5" name="Picture 4">
+            <a:extLst>
+              <a:ext uri="{FF2B5EF4-FFF2-40B4-BE49-F238E27FC236}">
+                <a16:creationId xmlns:a16="http://schemas.microsoft.com/office/drawing/2014/main" id="{3B6998E9-24FA-124A-A95D-EE64DCE1C231}"/>
+              </a:ext>
+            </a:extLst>
+          </p:cNvPr>
+          <p:cNvPicPr/>
+          <p:nvPr/>
+        </p:nvPicPr>
+        <p:blipFill>
+          <a:blip r:embed="rId3" cstate="print">
+            <a:extLst>
+              <a:ext uri="{28A0092B-C50C-407E-A947-70E740481C1C}">
+                <a14:useLocalDpi xmlns:a14="http://schemas.microsoft.com/office/drawing/2010/main" val="0"/>
+              </a:ext>
+            </a:extLst>
+          </a:blip>
+          <a:stretch>
+            <a:fillRect/>
+          </a:stretch>
+        </p:blipFill>
+        <p:spPr>
+          <a:xfrm>
+            <a:off x="7908941" y="3685667"/>
+            <a:ext cx="3753485" cy="2364740"/>
+          </a:xfrm>
+          <a:prstGeom prst="rect">
+            <a:avLst/>
+          </a:prstGeom>
+        </p:spPr>
+      </p:pic>
     </p:spTree>
     <p:extLst>
       <p:ext uri="{BB962C8B-B14F-4D97-AF65-F5344CB8AC3E}">
-        <p14:creationId xmlns:p14="http://schemas.microsoft.com/office/powerpoint/2010/main" val="826379505"/>
+        <p14:creationId xmlns:p14="http://schemas.microsoft.com/office/powerpoint/2010/main" val="245795120"/>
       </p:ext>
     </p:extLst>
   </p:cSld>
@@ -3572,90 +3663,7 @@
 </p:sld>
 </file>
 
-<file path=ppt/slides/slide3.xml><?xml version="1.0" encoding="utf-8"?>
-<p:sld xmlns:a="http://schemas.openxmlformats.org/drawingml/2006/main" xmlns:r="http://schemas.openxmlformats.org/officeDocument/2006/relationships" xmlns:p="http://schemas.openxmlformats.org/presentationml/2006/main">
-  <p:cSld>
-    <p:spTree>
-      <p:nvGrpSpPr>
-        <p:cNvPr id="1" name=""/>
-        <p:cNvGrpSpPr/>
-        <p:nvPr/>
-      </p:nvGrpSpPr>
-      <p:grpSpPr>
-        <a:xfrm>
-          <a:off x="0" y="0"/>
-          <a:ext cx="0" cy="0"/>
-          <a:chOff x="0" y="0"/>
-          <a:chExt cx="0" cy="0"/>
-        </a:xfrm>
-      </p:grpSpPr>
-      <p:sp>
-        <p:nvSpPr>
-          <p:cNvPr id="2" name="Title 1">
-            <a:extLst>
-              <a:ext uri="{FF2B5EF4-FFF2-40B4-BE49-F238E27FC236}">
-                <a16:creationId xmlns:a16="http://schemas.microsoft.com/office/drawing/2014/main" id="{690A526F-4D64-0D41-872F-CFAB5BAECD39}"/>
-              </a:ext>
-            </a:extLst>
-          </p:cNvPr>
-          <p:cNvSpPr>
-            <a:spLocks noGrp="1"/>
-          </p:cNvSpPr>
-          <p:nvPr>
-            <p:ph type="title"/>
-          </p:nvPr>
-        </p:nvSpPr>
-        <p:spPr/>
-        <p:txBody>
-          <a:bodyPr/>
-          <a:lstStyle/>
-          <a:p>
-            <a:r>
-              <a:rPr lang="en-ES" dirty="0"/>
-              <a:t>Qué es?</a:t>
-            </a:r>
-          </a:p>
-        </p:txBody>
-      </p:sp>
-      <p:sp>
-        <p:nvSpPr>
-          <p:cNvPr id="3" name="Content Placeholder 2">
-            <a:extLst>
-              <a:ext uri="{FF2B5EF4-FFF2-40B4-BE49-F238E27FC236}">
-                <a16:creationId xmlns:a16="http://schemas.microsoft.com/office/drawing/2014/main" id="{FF886F5C-C2D9-7249-BBC4-C8DA51272C19}"/>
-              </a:ext>
-            </a:extLst>
-          </p:cNvPr>
-          <p:cNvSpPr>
-            <a:spLocks noGrp="1"/>
-          </p:cNvSpPr>
-          <p:nvPr>
-            <p:ph idx="1"/>
-          </p:nvPr>
-        </p:nvSpPr>
-        <p:spPr/>
-        <p:txBody>
-          <a:bodyPr/>
-          <a:lstStyle/>
-          <a:p>
-            <a:endParaRPr lang="en-ES"/>
-          </a:p>
-        </p:txBody>
-      </p:sp>
-    </p:spTree>
-    <p:extLst>
-      <p:ext uri="{BB962C8B-B14F-4D97-AF65-F5344CB8AC3E}">
-        <p14:creationId xmlns:p14="http://schemas.microsoft.com/office/powerpoint/2010/main" val="112168791"/>
-      </p:ext>
-    </p:extLst>
-  </p:cSld>
-  <p:clrMapOvr>
-    <a:masterClrMapping/>
-  </p:clrMapOvr>
-</p:sld>
-</file>
-
-<file path=ppt/slides/slide4.xml><?xml version="1.0" encoding="utf-8"?>
+<file path=ppt/slides/slide11.xml><?xml version="1.0" encoding="utf-8"?>
 <p:sld xmlns:a="http://schemas.openxmlformats.org/drawingml/2006/main" xmlns:r="http://schemas.openxmlformats.org/officeDocument/2006/relationships" xmlns:p="http://schemas.openxmlformats.org/presentationml/2006/main">
   <p:cSld>
     <p:bg>
@@ -4045,7 +4053,7 @@
           <p:cNvPr id="2" name="Title 1">
             <a:extLst>
               <a:ext uri="{FF2B5EF4-FFF2-40B4-BE49-F238E27FC236}">
-                <a16:creationId xmlns:a16="http://schemas.microsoft.com/office/drawing/2014/main" id="{3D914692-EEF9-2D4C-BE23-0DA1F7784EA1}"/>
+                <a16:creationId xmlns:a16="http://schemas.microsoft.com/office/drawing/2014/main" id="{F7DA3768-121A-3B4A-9BC3-D725727F2523}"/>
               </a:ext>
             </a:extLst>
           </p:cNvPr>
@@ -4075,7 +4083,7 @@
                   <a:schemeClr val="accent1"/>
                 </a:solidFill>
               </a:rPr>
-              <a:t>Solución</a:t>
+              <a:t>Demostración</a:t>
             </a:r>
           </a:p>
         </p:txBody>
@@ -4083,7 +4091,7 @@
     </p:spTree>
     <p:extLst>
       <p:ext uri="{BB962C8B-B14F-4D97-AF65-F5344CB8AC3E}">
-        <p14:creationId xmlns:p14="http://schemas.microsoft.com/office/powerpoint/2010/main" val="3129492931"/>
+        <p14:creationId xmlns:p14="http://schemas.microsoft.com/office/powerpoint/2010/main" val="85020237"/>
       </p:ext>
     </p:extLst>
   </p:cSld>
@@ -4093,7 +4101,7 @@
 </p:sld>
 </file>
 
-<file path=ppt/slides/slide5.xml><?xml version="1.0" encoding="utf-8"?>
+<file path=ppt/slides/slide12.xml><?xml version="1.0" encoding="utf-8"?>
 <p:sld xmlns:a="http://schemas.openxmlformats.org/drawingml/2006/main" xmlns:r="http://schemas.openxmlformats.org/officeDocument/2006/relationships" xmlns:p="http://schemas.openxmlformats.org/presentationml/2006/main">
   <p:cSld>
     <p:spTree>
@@ -4115,7 +4123,7 @@
           <p:cNvPr id="2" name="Title 1">
             <a:extLst>
               <a:ext uri="{FF2B5EF4-FFF2-40B4-BE49-F238E27FC236}">
-                <a16:creationId xmlns:a16="http://schemas.microsoft.com/office/drawing/2014/main" id="{5B945A6C-51A8-DD45-B9A5-2277FE501085}"/>
+                <a16:creationId xmlns:a16="http://schemas.microsoft.com/office/drawing/2014/main" id="{52567EEB-B9C2-CB40-8B4D-DBF65CB6410C}"/>
               </a:ext>
             </a:extLst>
           </p:cNvPr>
@@ -4133,7 +4141,7 @@
           <a:p>
             <a:r>
               <a:rPr lang="en-ES" dirty="0"/>
-              <a:t>Como resuelve el problema</a:t>
+              <a:t>docker</a:t>
             </a:r>
           </a:p>
         </p:txBody>
@@ -4143,7 +4151,7 @@
           <p:cNvPr id="3" name="Content Placeholder 2">
             <a:extLst>
               <a:ext uri="{FF2B5EF4-FFF2-40B4-BE49-F238E27FC236}">
-                <a16:creationId xmlns:a16="http://schemas.microsoft.com/office/drawing/2014/main" id="{0F8FF265-762B-A046-AE82-DC7129CD97FB}"/>
+                <a16:creationId xmlns:a16="http://schemas.microsoft.com/office/drawing/2014/main" id="{E337E299-F9D1-D049-BECB-3FC03C17754F}"/>
               </a:ext>
             </a:extLst>
           </p:cNvPr>
@@ -4159,14 +4167,17 @@
           <a:bodyPr/>
           <a:lstStyle/>
           <a:p>
-            <a:endParaRPr lang="en-ES"/>
+            <a:r>
+              <a:rPr lang="en-ES" dirty="0"/>
+              <a:t>docker run --publish=7474:7474 --publish=7687:7687 neo4j:4.0</a:t>
+            </a:r>
           </a:p>
         </p:txBody>
       </p:sp>
     </p:spTree>
     <p:extLst>
       <p:ext uri="{BB962C8B-B14F-4D97-AF65-F5344CB8AC3E}">
-        <p14:creationId xmlns:p14="http://schemas.microsoft.com/office/powerpoint/2010/main" val="2759553683"/>
+        <p14:creationId xmlns:p14="http://schemas.microsoft.com/office/powerpoint/2010/main" val="3829911783"/>
       </p:ext>
     </p:extLst>
   </p:cSld>
@@ -4176,7 +4187,7 @@
 </p:sld>
 </file>
 
-<file path=ppt/slides/slide6.xml><?xml version="1.0" encoding="utf-8"?>
+<file path=ppt/slides/slide2.xml><?xml version="1.0" encoding="utf-8"?>
 <p:sld xmlns:a="http://schemas.openxmlformats.org/drawingml/2006/main" xmlns:r="http://schemas.openxmlformats.org/officeDocument/2006/relationships" xmlns:p="http://schemas.openxmlformats.org/presentationml/2006/main">
   <p:cSld>
     <p:spTree>
@@ -4198,7 +4209,7 @@
           <p:cNvPr id="2" name="Title 1">
             <a:extLst>
               <a:ext uri="{FF2B5EF4-FFF2-40B4-BE49-F238E27FC236}">
-                <a16:creationId xmlns:a16="http://schemas.microsoft.com/office/drawing/2014/main" id="{1E7B62F8-8830-F941-8079-41E602966496}"/>
+                <a16:creationId xmlns:a16="http://schemas.microsoft.com/office/drawing/2014/main" id="{7BCB61DB-A836-AE49-8ECD-5068D5E5F3C1}"/>
               </a:ext>
             </a:extLst>
           </p:cNvPr>
@@ -4209,15 +4220,21 @@
             <p:ph type="title"/>
           </p:nvPr>
         </p:nvSpPr>
-        <p:spPr/>
+        <p:spPr>
+          <a:xfrm>
+            <a:off x="129310" y="1123837"/>
+            <a:ext cx="3177308" cy="4601183"/>
+          </a:xfrm>
+        </p:spPr>
         <p:txBody>
           <a:bodyPr/>
           <a:lstStyle/>
           <a:p>
             <a:r>
-              <a:rPr lang="en-ES" dirty="0"/>
-              <a:t>Ventajas</a:t>
-            </a:r>
+              <a:rPr lang="en-ES"/>
+              <a:t>Problema existente</a:t>
+            </a:r>
+            <a:endParaRPr lang="en-ES" dirty="0"/>
           </a:p>
         </p:txBody>
       </p:sp>
@@ -4226,7 +4243,7 @@
           <p:cNvPr id="3" name="Content Placeholder 2">
             <a:extLst>
               <a:ext uri="{FF2B5EF4-FFF2-40B4-BE49-F238E27FC236}">
-                <a16:creationId xmlns:a16="http://schemas.microsoft.com/office/drawing/2014/main" id="{4260040A-3E19-1E4F-A9DA-D6866E7F432D}"/>
+                <a16:creationId xmlns:a16="http://schemas.microsoft.com/office/drawing/2014/main" id="{23F09394-18CE-A74C-BF5D-150E845B9E3A}"/>
               </a:ext>
             </a:extLst>
           </p:cNvPr>
@@ -4242,14 +4259,35 @@
           <a:bodyPr/>
           <a:lstStyle/>
           <a:p>
-            <a:endParaRPr lang="en-ES"/>
+            <a:r>
+              <a:rPr lang="en-ES" dirty="0"/>
+              <a:t>Las bases de datos son lentas resolviendo relaciones</a:t>
+            </a:r>
+          </a:p>
+          <a:p>
+            <a:endParaRPr lang="en-ES" dirty="0"/>
+          </a:p>
+          <a:p>
+            <a:r>
+              <a:rPr lang="en-ES" dirty="0"/>
+              <a:t>Muchas de ellas impiden incluso realizar esta operación</a:t>
+            </a:r>
+          </a:p>
+          <a:p>
+            <a:endParaRPr lang="en-ES" dirty="0"/>
+          </a:p>
+          <a:p>
+            <a:r>
+              <a:rPr lang="en-ES" dirty="0"/>
+              <a:t>Los índices no siempre son una solución</a:t>
+            </a:r>
           </a:p>
         </p:txBody>
       </p:sp>
     </p:spTree>
     <p:extLst>
       <p:ext uri="{BB962C8B-B14F-4D97-AF65-F5344CB8AC3E}">
-        <p14:creationId xmlns:p14="http://schemas.microsoft.com/office/powerpoint/2010/main" val="813046394"/>
+        <p14:creationId xmlns:p14="http://schemas.microsoft.com/office/powerpoint/2010/main" val="826379505"/>
       </p:ext>
     </p:extLst>
   </p:cSld>
@@ -4259,90 +4297,7 @@
 </p:sld>
 </file>
 
-<file path=ppt/slides/slide7.xml><?xml version="1.0" encoding="utf-8"?>
-<p:sld xmlns:a="http://schemas.openxmlformats.org/drawingml/2006/main" xmlns:r="http://schemas.openxmlformats.org/officeDocument/2006/relationships" xmlns:p="http://schemas.openxmlformats.org/presentationml/2006/main">
-  <p:cSld>
-    <p:spTree>
-      <p:nvGrpSpPr>
-        <p:cNvPr id="1" name=""/>
-        <p:cNvGrpSpPr/>
-        <p:nvPr/>
-      </p:nvGrpSpPr>
-      <p:grpSpPr>
-        <a:xfrm>
-          <a:off x="0" y="0"/>
-          <a:ext cx="0" cy="0"/>
-          <a:chOff x="0" y="0"/>
-          <a:chExt cx="0" cy="0"/>
-        </a:xfrm>
-      </p:grpSpPr>
-      <p:sp>
-        <p:nvSpPr>
-          <p:cNvPr id="2" name="Title 1">
-            <a:extLst>
-              <a:ext uri="{FF2B5EF4-FFF2-40B4-BE49-F238E27FC236}">
-                <a16:creationId xmlns:a16="http://schemas.microsoft.com/office/drawing/2014/main" id="{65786771-A290-BF42-87E8-0FCDA9B669E8}"/>
-              </a:ext>
-            </a:extLst>
-          </p:cNvPr>
-          <p:cNvSpPr>
-            <a:spLocks noGrp="1"/>
-          </p:cNvSpPr>
-          <p:nvPr>
-            <p:ph type="title"/>
-          </p:nvPr>
-        </p:nvSpPr>
-        <p:spPr/>
-        <p:txBody>
-          <a:bodyPr/>
-          <a:lstStyle/>
-          <a:p>
-            <a:r>
-              <a:rPr lang="en-ES" dirty="0"/>
-              <a:t>Desventajas</a:t>
-            </a:r>
-          </a:p>
-        </p:txBody>
-      </p:sp>
-      <p:sp>
-        <p:nvSpPr>
-          <p:cNvPr id="3" name="Content Placeholder 2">
-            <a:extLst>
-              <a:ext uri="{FF2B5EF4-FFF2-40B4-BE49-F238E27FC236}">
-                <a16:creationId xmlns:a16="http://schemas.microsoft.com/office/drawing/2014/main" id="{D2A82C59-7D8F-6B4D-8BEC-95E8845CE91D}"/>
-              </a:ext>
-            </a:extLst>
-          </p:cNvPr>
-          <p:cNvSpPr>
-            <a:spLocks noGrp="1"/>
-          </p:cNvSpPr>
-          <p:nvPr>
-            <p:ph idx="1"/>
-          </p:nvPr>
-        </p:nvSpPr>
-        <p:spPr/>
-        <p:txBody>
-          <a:bodyPr/>
-          <a:lstStyle/>
-          <a:p>
-            <a:endParaRPr lang="en-ES"/>
-          </a:p>
-        </p:txBody>
-      </p:sp>
-    </p:spTree>
-    <p:extLst>
-      <p:ext uri="{BB962C8B-B14F-4D97-AF65-F5344CB8AC3E}">
-        <p14:creationId xmlns:p14="http://schemas.microsoft.com/office/powerpoint/2010/main" val="246114638"/>
-      </p:ext>
-    </p:extLst>
-  </p:cSld>
-  <p:clrMapOvr>
-    <a:masterClrMapping/>
-  </p:clrMapOvr>
-</p:sld>
-</file>
-
-<file path=ppt/slides/slide8.xml><?xml version="1.0" encoding="utf-8"?>
+<file path=ppt/slides/slide3.xml><?xml version="1.0" encoding="utf-8"?>
 <p:sld xmlns:a="http://schemas.openxmlformats.org/drawingml/2006/main" xmlns:r="http://schemas.openxmlformats.org/officeDocument/2006/relationships" xmlns:p="http://schemas.openxmlformats.org/presentationml/2006/main">
   <p:cSld>
     <p:bg>
@@ -4732,7 +4687,7 @@
           <p:cNvPr id="2" name="Title 1">
             <a:extLst>
               <a:ext uri="{FF2B5EF4-FFF2-40B4-BE49-F238E27FC236}">
-                <a16:creationId xmlns:a16="http://schemas.microsoft.com/office/drawing/2014/main" id="{F7DA3768-121A-3B4A-9BC3-D725727F2523}"/>
+                <a16:creationId xmlns:a16="http://schemas.microsoft.com/office/drawing/2014/main" id="{3D914692-EEF9-2D4C-BE23-0DA1F7784EA1}"/>
               </a:ext>
             </a:extLst>
           </p:cNvPr>
@@ -4762,7 +4717,782 @@
                   <a:schemeClr val="accent1"/>
                 </a:solidFill>
               </a:rPr>
-              <a:t>Demostración</a:t>
+              <a:t>Solución</a:t>
+            </a:r>
+          </a:p>
+        </p:txBody>
+      </p:sp>
+    </p:spTree>
+    <p:extLst>
+      <p:ext uri="{BB962C8B-B14F-4D97-AF65-F5344CB8AC3E}">
+        <p14:creationId xmlns:p14="http://schemas.microsoft.com/office/powerpoint/2010/main" val="3129492931"/>
+      </p:ext>
+    </p:extLst>
+  </p:cSld>
+  <p:clrMapOvr>
+    <a:masterClrMapping/>
+  </p:clrMapOvr>
+</p:sld>
+</file>
+
+<file path=ppt/slides/slide4.xml><?xml version="1.0" encoding="utf-8"?>
+<p:sld xmlns:a="http://schemas.openxmlformats.org/drawingml/2006/main" xmlns:r="http://schemas.openxmlformats.org/officeDocument/2006/relationships" xmlns:p="http://schemas.openxmlformats.org/presentationml/2006/main">
+  <p:cSld>
+    <p:bg>
+      <p:bgPr>
+        <a:solidFill>
+          <a:schemeClr val="bg1"/>
+        </a:solidFill>
+        <a:effectLst/>
+      </p:bgPr>
+    </p:bg>
+    <p:spTree>
+      <p:nvGrpSpPr>
+        <p:cNvPr id="1" name=""/>
+        <p:cNvGrpSpPr/>
+        <p:nvPr/>
+      </p:nvGrpSpPr>
+      <p:grpSpPr>
+        <a:xfrm>
+          <a:off x="0" y="0"/>
+          <a:ext cx="0" cy="0"/>
+          <a:chOff x="0" y="0"/>
+          <a:chExt cx="0" cy="0"/>
+        </a:xfrm>
+      </p:grpSpPr>
+      <p:sp>
+        <p:nvSpPr>
+          <p:cNvPr id="2" name="Title 1">
+            <a:extLst>
+              <a:ext uri="{FF2B5EF4-FFF2-40B4-BE49-F238E27FC236}">
+                <a16:creationId xmlns:a16="http://schemas.microsoft.com/office/drawing/2014/main" id="{5B945A6C-51A8-DD45-B9A5-2277FE501085}"/>
+              </a:ext>
+            </a:extLst>
+          </p:cNvPr>
+          <p:cNvSpPr>
+            <a:spLocks noGrp="1"/>
+          </p:cNvSpPr>
+          <p:nvPr>
+            <p:ph type="title"/>
+          </p:nvPr>
+        </p:nvSpPr>
+        <p:spPr>
+          <a:xfrm>
+            <a:off x="252919" y="1123837"/>
+            <a:ext cx="2947482" cy="4601183"/>
+          </a:xfrm>
+        </p:spPr>
+        <p:txBody>
+          <a:bodyPr>
+            <a:normAutofit/>
+          </a:bodyPr>
+          <a:lstStyle/>
+          <a:p>
+            <a:r>
+              <a:rPr lang="en-ES" dirty="0"/>
+              <a:t>Como resuelve el problema</a:t>
+            </a:r>
+          </a:p>
+        </p:txBody>
+      </p:sp>
+      <p:sp>
+        <p:nvSpPr>
+          <p:cNvPr id="3" name="Content Placeholder 2">
+            <a:extLst>
+              <a:ext uri="{FF2B5EF4-FFF2-40B4-BE49-F238E27FC236}">
+                <a16:creationId xmlns:a16="http://schemas.microsoft.com/office/drawing/2014/main" id="{0F8FF265-762B-A046-AE82-DC7129CD97FB}"/>
+              </a:ext>
+            </a:extLst>
+          </p:cNvPr>
+          <p:cNvSpPr>
+            <a:spLocks noGrp="1"/>
+          </p:cNvSpPr>
+          <p:nvPr>
+            <p:ph idx="1"/>
+          </p:nvPr>
+        </p:nvSpPr>
+        <p:spPr>
+          <a:xfrm>
+            <a:off x="3869268" y="864109"/>
+            <a:ext cx="7315200" cy="1611462"/>
+          </a:xfrm>
+        </p:spPr>
+        <p:txBody>
+          <a:bodyPr>
+            <a:normAutofit/>
+          </a:bodyPr>
+          <a:lstStyle/>
+          <a:p>
+            <a:r>
+              <a:rPr lang="en-ES" dirty="0"/>
+              <a:t>Centrar la estructura de la base de datos en las relaciones</a:t>
+            </a:r>
+          </a:p>
+          <a:p>
+            <a:endParaRPr lang="en-ES" dirty="0"/>
+          </a:p>
+          <a:p>
+            <a:r>
+              <a:rPr lang="en-ES" dirty="0"/>
+              <a:t>Utilizar indirecciones en lugar de búsquedas para acceder a la información</a:t>
+            </a:r>
+          </a:p>
+        </p:txBody>
+      </p:sp>
+      <p:pic>
+        <p:nvPicPr>
+          <p:cNvPr id="4" name="Picture 3" descr="A screen shot of a computer&#10;&#10;Description automatically generated">
+            <a:extLst>
+              <a:ext uri="{FF2B5EF4-FFF2-40B4-BE49-F238E27FC236}">
+                <a16:creationId xmlns:a16="http://schemas.microsoft.com/office/drawing/2014/main" id="{E053E420-4D5C-0243-B764-7EE7F28D98E1}"/>
+              </a:ext>
+            </a:extLst>
+          </p:cNvPr>
+          <p:cNvPicPr>
+            <a:picLocks noChangeAspect="1"/>
+          </p:cNvPicPr>
+          <p:nvPr/>
+        </p:nvPicPr>
+        <p:blipFill>
+          <a:blip r:embed="rId2"/>
+          <a:stretch>
+            <a:fillRect/>
+          </a:stretch>
+        </p:blipFill>
+        <p:spPr>
+          <a:xfrm>
+            <a:off x="3869268" y="2953192"/>
+            <a:ext cx="7315200" cy="3127248"/>
+          </a:xfrm>
+          <a:prstGeom prst="rect">
+            <a:avLst/>
+          </a:prstGeom>
+        </p:spPr>
+      </p:pic>
+    </p:spTree>
+    <p:extLst>
+      <p:ext uri="{BB962C8B-B14F-4D97-AF65-F5344CB8AC3E}">
+        <p14:creationId xmlns:p14="http://schemas.microsoft.com/office/powerpoint/2010/main" val="2759553683"/>
+      </p:ext>
+    </p:extLst>
+  </p:cSld>
+  <p:clrMapOvr>
+    <a:masterClrMapping/>
+  </p:clrMapOvr>
+</p:sld>
+</file>
+
+<file path=ppt/slides/slide5.xml><?xml version="1.0" encoding="utf-8"?>
+<p:sld xmlns:a="http://schemas.openxmlformats.org/drawingml/2006/main" xmlns:r="http://schemas.openxmlformats.org/officeDocument/2006/relationships" xmlns:p="http://schemas.openxmlformats.org/presentationml/2006/main">
+  <p:cSld>
+    <p:spTree>
+      <p:nvGrpSpPr>
+        <p:cNvPr id="1" name=""/>
+        <p:cNvGrpSpPr/>
+        <p:nvPr/>
+      </p:nvGrpSpPr>
+      <p:grpSpPr>
+        <a:xfrm>
+          <a:off x="0" y="0"/>
+          <a:ext cx="0" cy="0"/>
+          <a:chOff x="0" y="0"/>
+          <a:chExt cx="0" cy="0"/>
+        </a:xfrm>
+      </p:grpSpPr>
+      <p:sp>
+        <p:nvSpPr>
+          <p:cNvPr id="2" name="Title 1">
+            <a:extLst>
+              <a:ext uri="{FF2B5EF4-FFF2-40B4-BE49-F238E27FC236}">
+                <a16:creationId xmlns:a16="http://schemas.microsoft.com/office/drawing/2014/main" id="{1E7B62F8-8830-F941-8079-41E602966496}"/>
+              </a:ext>
+            </a:extLst>
+          </p:cNvPr>
+          <p:cNvSpPr>
+            <a:spLocks noGrp="1"/>
+          </p:cNvSpPr>
+          <p:nvPr>
+            <p:ph type="title"/>
+          </p:nvPr>
+        </p:nvSpPr>
+        <p:spPr/>
+        <p:txBody>
+          <a:bodyPr/>
+          <a:lstStyle/>
+          <a:p>
+            <a:r>
+              <a:rPr lang="en-ES" dirty="0"/>
+              <a:t>Ventajas</a:t>
+            </a:r>
+          </a:p>
+        </p:txBody>
+      </p:sp>
+      <p:sp>
+        <p:nvSpPr>
+          <p:cNvPr id="3" name="Content Placeholder 2">
+            <a:extLst>
+              <a:ext uri="{FF2B5EF4-FFF2-40B4-BE49-F238E27FC236}">
+                <a16:creationId xmlns:a16="http://schemas.microsoft.com/office/drawing/2014/main" id="{4260040A-3E19-1E4F-A9DA-D6866E7F432D}"/>
+              </a:ext>
+            </a:extLst>
+          </p:cNvPr>
+          <p:cNvSpPr>
+            <a:spLocks noGrp="1"/>
+          </p:cNvSpPr>
+          <p:nvPr>
+            <p:ph idx="1"/>
+          </p:nvPr>
+        </p:nvSpPr>
+        <p:spPr/>
+        <p:txBody>
+          <a:bodyPr/>
+          <a:lstStyle/>
+          <a:p>
+            <a:r>
+              <a:rPr lang="en-ES" dirty="0"/>
+              <a:t>La resolución de las relaciones es mucho más rápida</a:t>
+            </a:r>
+          </a:p>
+          <a:p>
+            <a:endParaRPr lang="en-ES" dirty="0"/>
+          </a:p>
+          <a:p>
+            <a:r>
+              <a:rPr lang="en-ES" dirty="0"/>
+              <a:t>El tiempo que se tarda en resolver una relación crece de forma lineal con la cantidad de datos A DEVOLVER EN LA CONSULTA.</a:t>
+            </a:r>
+          </a:p>
+        </p:txBody>
+      </p:sp>
+    </p:spTree>
+    <p:extLst>
+      <p:ext uri="{BB962C8B-B14F-4D97-AF65-F5344CB8AC3E}">
+        <p14:creationId xmlns:p14="http://schemas.microsoft.com/office/powerpoint/2010/main" val="813046394"/>
+      </p:ext>
+    </p:extLst>
+  </p:cSld>
+  <p:clrMapOvr>
+    <a:masterClrMapping/>
+  </p:clrMapOvr>
+</p:sld>
+</file>
+
+<file path=ppt/slides/slide6.xml><?xml version="1.0" encoding="utf-8"?>
+<p:sld xmlns:a="http://schemas.openxmlformats.org/drawingml/2006/main" xmlns:r="http://schemas.openxmlformats.org/officeDocument/2006/relationships" xmlns:p="http://schemas.openxmlformats.org/presentationml/2006/main">
+  <p:cSld>
+    <p:spTree>
+      <p:nvGrpSpPr>
+        <p:cNvPr id="1" name=""/>
+        <p:cNvGrpSpPr/>
+        <p:nvPr/>
+      </p:nvGrpSpPr>
+      <p:grpSpPr>
+        <a:xfrm>
+          <a:off x="0" y="0"/>
+          <a:ext cx="0" cy="0"/>
+          <a:chOff x="0" y="0"/>
+          <a:chExt cx="0" cy="0"/>
+        </a:xfrm>
+      </p:grpSpPr>
+      <p:sp>
+        <p:nvSpPr>
+          <p:cNvPr id="2" name="Title 1">
+            <a:extLst>
+              <a:ext uri="{FF2B5EF4-FFF2-40B4-BE49-F238E27FC236}">
+                <a16:creationId xmlns:a16="http://schemas.microsoft.com/office/drawing/2014/main" id="{65786771-A290-BF42-87E8-0FCDA9B669E8}"/>
+              </a:ext>
+            </a:extLst>
+          </p:cNvPr>
+          <p:cNvSpPr>
+            <a:spLocks noGrp="1"/>
+          </p:cNvSpPr>
+          <p:nvPr>
+            <p:ph type="title"/>
+          </p:nvPr>
+        </p:nvSpPr>
+        <p:spPr/>
+        <p:txBody>
+          <a:bodyPr/>
+          <a:lstStyle/>
+          <a:p>
+            <a:r>
+              <a:rPr lang="en-ES" dirty="0"/>
+              <a:t>Desventajas</a:t>
+            </a:r>
+          </a:p>
+        </p:txBody>
+      </p:sp>
+      <p:sp>
+        <p:nvSpPr>
+          <p:cNvPr id="3" name="Content Placeholder 2">
+            <a:extLst>
+              <a:ext uri="{FF2B5EF4-FFF2-40B4-BE49-F238E27FC236}">
+                <a16:creationId xmlns:a16="http://schemas.microsoft.com/office/drawing/2014/main" id="{D2A82C59-7D8F-6B4D-8BEC-95E8845CE91D}"/>
+              </a:ext>
+            </a:extLst>
+          </p:cNvPr>
+          <p:cNvSpPr>
+            <a:spLocks noGrp="1"/>
+          </p:cNvSpPr>
+          <p:nvPr>
+            <p:ph idx="1"/>
+          </p:nvPr>
+        </p:nvSpPr>
+        <p:spPr/>
+        <p:txBody>
+          <a:bodyPr/>
+          <a:lstStyle/>
+          <a:p>
+            <a:r>
+              <a:rPr lang="en-ES" dirty="0"/>
+              <a:t>Recomendación de moderar el tamaño de los nodos</a:t>
+            </a:r>
+          </a:p>
+          <a:p>
+            <a:endParaRPr lang="en-ES" dirty="0"/>
+          </a:p>
+          <a:p>
+            <a:r>
+              <a:rPr lang="en-ES" dirty="0"/>
+              <a:t>Las consultas no son transaccionales</a:t>
+            </a:r>
+          </a:p>
+        </p:txBody>
+      </p:sp>
+    </p:spTree>
+    <p:extLst>
+      <p:ext uri="{BB962C8B-B14F-4D97-AF65-F5344CB8AC3E}">
+        <p14:creationId xmlns:p14="http://schemas.microsoft.com/office/powerpoint/2010/main" val="246114638"/>
+      </p:ext>
+    </p:extLst>
+  </p:cSld>
+  <p:clrMapOvr>
+    <a:masterClrMapping/>
+  </p:clrMapOvr>
+</p:sld>
+</file>
+
+<file path=ppt/slides/slide7.xml><?xml version="1.0" encoding="utf-8"?>
+<p:sld xmlns:a="http://schemas.openxmlformats.org/drawingml/2006/main" xmlns:r="http://schemas.openxmlformats.org/officeDocument/2006/relationships" xmlns:p="http://schemas.openxmlformats.org/presentationml/2006/main">
+  <p:cSld>
+    <p:bg>
+      <p:bgPr>
+        <a:solidFill>
+          <a:schemeClr val="bg1"/>
+        </a:solidFill>
+        <a:effectLst/>
+      </p:bgPr>
+    </p:bg>
+    <p:spTree>
+      <p:nvGrpSpPr>
+        <p:cNvPr id="1" name=""/>
+        <p:cNvGrpSpPr/>
+        <p:nvPr/>
+      </p:nvGrpSpPr>
+      <p:grpSpPr>
+        <a:xfrm>
+          <a:off x="0" y="0"/>
+          <a:ext cx="0" cy="0"/>
+          <a:chOff x="0" y="0"/>
+          <a:chExt cx="0" cy="0"/>
+        </a:xfrm>
+      </p:grpSpPr>
+      <p:sp>
+        <p:nvSpPr>
+          <p:cNvPr id="8" name="Rectangle 7">
+            <a:extLst>
+              <a:ext uri="{FF2B5EF4-FFF2-40B4-BE49-F238E27FC236}">
+                <a16:creationId xmlns:a16="http://schemas.microsoft.com/office/drawing/2014/main" id="{C162DF2A-64D1-4AA9-BA42-8A4063EADE09}"/>
+              </a:ext>
+              <a:ext uri="{C183D7F6-B498-43B3-948B-1728B52AA6E4}">
+                <adec:decorative xmlns:adec="http://schemas.microsoft.com/office/drawing/2017/decorative" val="1"/>
+              </a:ext>
+            </a:extLst>
+          </p:cNvPr>
+          <p:cNvSpPr>
+            <a:spLocks noGrp="1" noRot="1" noChangeAspect="1" noMove="1" noResize="1" noEditPoints="1" noAdjustHandles="1" noChangeArrowheads="1" noChangeShapeType="1" noTextEdit="1"/>
+          </p:cNvSpPr>
+          <p:nvPr>
+            <p:extLst>
+              <p:ext uri="{386F3935-93C4-4BCD-93E2-E3B085C9AB24}">
+                <p16:designElem xmlns:p16="http://schemas.microsoft.com/office/powerpoint/2015/main" val="1"/>
+              </p:ext>
+            </p:extLst>
+          </p:nvPr>
+        </p:nvSpPr>
+        <p:spPr>
+          <a:xfrm>
+            <a:off x="0" y="761999"/>
+            <a:ext cx="9141619" cy="5334001"/>
+          </a:xfrm>
+          <a:prstGeom prst="rect">
+            <a:avLst/>
+          </a:prstGeom>
+          <a:solidFill>
+            <a:schemeClr val="accent1"/>
+          </a:solidFill>
+          <a:ln>
+            <a:noFill/>
+          </a:ln>
+        </p:spPr>
+        <p:style>
+          <a:lnRef idx="2">
+            <a:schemeClr val="accent1">
+              <a:shade val="50000"/>
+            </a:schemeClr>
+          </a:lnRef>
+          <a:fillRef idx="1">
+            <a:schemeClr val="accent1"/>
+          </a:fillRef>
+          <a:effectRef idx="0">
+            <a:schemeClr val="accent1"/>
+          </a:effectRef>
+          <a:fontRef idx="minor">
+            <a:schemeClr val="lt1"/>
+          </a:fontRef>
+        </p:style>
+      </p:sp>
+      <p:sp>
+        <p:nvSpPr>
+          <p:cNvPr id="10" name="Rectangle 9">
+            <a:extLst>
+              <a:ext uri="{FF2B5EF4-FFF2-40B4-BE49-F238E27FC236}">
+                <a16:creationId xmlns:a16="http://schemas.microsoft.com/office/drawing/2014/main" id="{5D7C1373-63AF-4A75-909E-990E05356670}"/>
+              </a:ext>
+              <a:ext uri="{C183D7F6-B498-43B3-948B-1728B52AA6E4}">
+                <adec:decorative xmlns:adec="http://schemas.microsoft.com/office/drawing/2017/decorative" val="1"/>
+              </a:ext>
+            </a:extLst>
+          </p:cNvPr>
+          <p:cNvSpPr>
+            <a:spLocks noGrp="1" noRot="1" noChangeAspect="1" noMove="1" noResize="1" noEditPoints="1" noAdjustHandles="1" noChangeArrowheads="1" noChangeShapeType="1" noTextEdit="1"/>
+          </p:cNvSpPr>
+          <p:nvPr>
+            <p:extLst>
+              <p:ext uri="{386F3935-93C4-4BCD-93E2-E3B085C9AB24}">
+                <p16:designElem xmlns:p16="http://schemas.microsoft.com/office/powerpoint/2015/main" val="1"/>
+              </p:ext>
+            </p:extLst>
+          </p:nvPr>
+        </p:nvSpPr>
+        <p:spPr>
+          <a:xfrm>
+            <a:off x="9270263" y="761999"/>
+            <a:ext cx="2925318" cy="5334001"/>
+          </a:xfrm>
+          <a:prstGeom prst="rect">
+            <a:avLst/>
+          </a:prstGeom>
+          <a:solidFill>
+            <a:srgbClr val="C8C8C8">
+              <a:alpha val="49804"/>
+            </a:srgbClr>
+          </a:solidFill>
+          <a:ln>
+            <a:noFill/>
+          </a:ln>
+        </p:spPr>
+        <p:style>
+          <a:lnRef idx="2">
+            <a:schemeClr val="accent1">
+              <a:shade val="50000"/>
+            </a:schemeClr>
+          </a:lnRef>
+          <a:fillRef idx="1">
+            <a:schemeClr val="accent1"/>
+          </a:fillRef>
+          <a:effectRef idx="0">
+            <a:schemeClr val="accent1"/>
+          </a:effectRef>
+          <a:fontRef idx="minor">
+            <a:schemeClr val="lt1"/>
+          </a:fontRef>
+        </p:style>
+      </p:sp>
+      <p:sp useBgFill="1">
+        <p:nvSpPr>
+          <p:cNvPr id="12" name="Rectangle 11">
+            <a:extLst>
+              <a:ext uri="{FF2B5EF4-FFF2-40B4-BE49-F238E27FC236}">
+                <a16:creationId xmlns:a16="http://schemas.microsoft.com/office/drawing/2014/main" id="{2F4AD318-2FB6-4C6E-931E-58E404FA18CD}"/>
+              </a:ext>
+              <a:ext uri="{C183D7F6-B498-43B3-948B-1728B52AA6E4}">
+                <adec:decorative xmlns:adec="http://schemas.microsoft.com/office/drawing/2017/decorative" val="1"/>
+              </a:ext>
+            </a:extLst>
+          </p:cNvPr>
+          <p:cNvSpPr>
+            <a:spLocks noGrp="1" noRot="1" noChangeAspect="1" noMove="1" noResize="1" noEditPoints="1" noAdjustHandles="1" noChangeArrowheads="1" noChangeShapeType="1" noTextEdit="1"/>
+          </p:cNvSpPr>
+          <p:nvPr>
+            <p:extLst>
+              <p:ext uri="{386F3935-93C4-4BCD-93E2-E3B085C9AB24}">
+                <p16:designElem xmlns:p16="http://schemas.microsoft.com/office/powerpoint/2015/main" val="1"/>
+              </p:ext>
+            </p:extLst>
+          </p:nvPr>
+        </p:nvSpPr>
+        <p:spPr>
+          <a:xfrm>
+            <a:off x="0" y="0"/>
+            <a:ext cx="12192000" cy="6858000"/>
+          </a:xfrm>
+          <a:prstGeom prst="rect">
+            <a:avLst/>
+          </a:prstGeom>
+          <a:ln>
+            <a:noFill/>
+          </a:ln>
+        </p:spPr>
+        <p:style>
+          <a:lnRef idx="2">
+            <a:schemeClr val="accent1">
+              <a:shade val="50000"/>
+            </a:schemeClr>
+          </a:lnRef>
+          <a:fillRef idx="1">
+            <a:schemeClr val="accent1"/>
+          </a:fillRef>
+          <a:effectRef idx="0">
+            <a:schemeClr val="accent1"/>
+          </a:effectRef>
+          <a:fontRef idx="minor">
+            <a:schemeClr val="lt1"/>
+          </a:fontRef>
+        </p:style>
+        <p:txBody>
+          <a:bodyPr rtlCol="0" anchor="ctr"/>
+          <a:lstStyle/>
+          <a:p>
+            <a:pPr algn="ctr"/>
+            <a:endParaRPr lang="en-US" dirty="0"/>
+          </a:p>
+        </p:txBody>
+      </p:sp>
+      <p:sp>
+        <p:nvSpPr>
+          <p:cNvPr id="14" name="Freeform: Shape 13">
+            <a:extLst>
+              <a:ext uri="{FF2B5EF4-FFF2-40B4-BE49-F238E27FC236}">
+                <a16:creationId xmlns:a16="http://schemas.microsoft.com/office/drawing/2014/main" id="{1A118E35-1CBF-4863-8497-F4DF1A166D2D}"/>
+              </a:ext>
+              <a:ext uri="{C183D7F6-B498-43B3-948B-1728B52AA6E4}">
+                <adec:decorative xmlns:adec="http://schemas.microsoft.com/office/drawing/2017/decorative" val="1"/>
+              </a:ext>
+            </a:extLst>
+          </p:cNvPr>
+          <p:cNvSpPr>
+            <a:spLocks noGrp="1" noRot="1" noChangeAspect="1" noMove="1" noResize="1" noEditPoints="1" noAdjustHandles="1" noChangeArrowheads="1" noChangeShapeType="1" noTextEdit="1"/>
+          </p:cNvSpPr>
+          <p:nvPr>
+            <p:extLst>
+              <p:ext uri="{386F3935-93C4-4BCD-93E2-E3B085C9AB24}">
+                <p16:designElem xmlns:p16="http://schemas.microsoft.com/office/powerpoint/2015/main" val="1"/>
+              </p:ext>
+            </p:extLst>
+          </p:nvPr>
+        </p:nvSpPr>
+        <p:spPr>
+          <a:xfrm>
+            <a:off x="-3582" y="752748"/>
+            <a:ext cx="1001483" cy="4744251"/>
+          </a:xfrm>
+          <a:custGeom>
+            <a:avLst/>
+            <a:gdLst>
+              <a:gd name="connsiteX0" fmla="*/ 0 w 1001483"/>
+              <a:gd name="connsiteY0" fmla="*/ 0 h 4744251"/>
+              <a:gd name="connsiteX1" fmla="*/ 1001483 w 1001483"/>
+              <a:gd name="connsiteY1" fmla="*/ 0 h 4744251"/>
+              <a:gd name="connsiteX2" fmla="*/ 0 w 1001483"/>
+              <a:gd name="connsiteY2" fmla="*/ 4744251 h 4744251"/>
+            </a:gdLst>
+            <a:ahLst/>
+            <a:cxnLst>
+              <a:cxn ang="0">
+                <a:pos x="connsiteX0" y="connsiteY0"/>
+              </a:cxn>
+              <a:cxn ang="0">
+                <a:pos x="connsiteX1" y="connsiteY1"/>
+              </a:cxn>
+              <a:cxn ang="0">
+                <a:pos x="connsiteX2" y="connsiteY2"/>
+              </a:cxn>
+            </a:cxnLst>
+            <a:rect l="l" t="t" r="r" b="b"/>
+            <a:pathLst>
+              <a:path w="1001483" h="4744251">
+                <a:moveTo>
+                  <a:pt x="0" y="0"/>
+                </a:moveTo>
+                <a:lnTo>
+                  <a:pt x="1001483" y="0"/>
+                </a:lnTo>
+                <a:lnTo>
+                  <a:pt x="0" y="4744251"/>
+                </a:lnTo>
+                <a:close/>
+              </a:path>
+            </a:pathLst>
+          </a:custGeom>
+          <a:solidFill>
+            <a:schemeClr val="accent1"/>
+          </a:solidFill>
+          <a:ln>
+            <a:noFill/>
+          </a:ln>
+        </p:spPr>
+        <p:style>
+          <a:lnRef idx="2">
+            <a:schemeClr val="accent1">
+              <a:shade val="50000"/>
+            </a:schemeClr>
+          </a:lnRef>
+          <a:fillRef idx="1">
+            <a:schemeClr val="accent1"/>
+          </a:fillRef>
+          <a:effectRef idx="0">
+            <a:schemeClr val="accent1"/>
+          </a:effectRef>
+          <a:fontRef idx="minor">
+            <a:schemeClr val="lt1"/>
+          </a:fontRef>
+        </p:style>
+      </p:sp>
+      <p:sp>
+        <p:nvSpPr>
+          <p:cNvPr id="16" name="Freeform: Shape 15">
+            <a:extLst>
+              <a:ext uri="{FF2B5EF4-FFF2-40B4-BE49-F238E27FC236}">
+                <a16:creationId xmlns:a16="http://schemas.microsoft.com/office/drawing/2014/main" id="{6E187274-5DC2-4BE0-AF99-925D6D973550}"/>
+              </a:ext>
+              <a:ext uri="{C183D7F6-B498-43B3-948B-1728B52AA6E4}">
+                <adec:decorative xmlns:adec="http://schemas.microsoft.com/office/drawing/2017/decorative" val="1"/>
+              </a:ext>
+            </a:extLst>
+          </p:cNvPr>
+          <p:cNvSpPr>
+            <a:spLocks noGrp="1" noRot="1" noChangeAspect="1" noMove="1" noResize="1" noEditPoints="1" noAdjustHandles="1" noChangeArrowheads="1" noChangeShapeType="1" noTextEdit="1"/>
+          </p:cNvSpPr>
+          <p:nvPr>
+            <p:extLst>
+              <p:ext uri="{386F3935-93C4-4BCD-93E2-E3B085C9AB24}">
+                <p16:designElem xmlns:p16="http://schemas.microsoft.com/office/powerpoint/2015/main" val="1"/>
+              </p:ext>
+            </p:extLst>
+          </p:nvPr>
+        </p:nvSpPr>
+        <p:spPr>
+          <a:xfrm>
+            <a:off x="7987094" y="761999"/>
+            <a:ext cx="4208489" cy="5334001"/>
+          </a:xfrm>
+          <a:custGeom>
+            <a:avLst/>
+            <a:gdLst>
+              <a:gd name="connsiteX0" fmla="*/ 1015642 w 4208489"/>
+              <a:gd name="connsiteY0" fmla="*/ 0 h 5334001"/>
+              <a:gd name="connsiteX1" fmla="*/ 4208489 w 4208489"/>
+              <a:gd name="connsiteY1" fmla="*/ 0 h 5334001"/>
+              <a:gd name="connsiteX2" fmla="*/ 4208489 w 4208489"/>
+              <a:gd name="connsiteY2" fmla="*/ 5334001 h 5334001"/>
+              <a:gd name="connsiteX3" fmla="*/ 0 w 4208489"/>
+              <a:gd name="connsiteY3" fmla="*/ 5334001 h 5334001"/>
+            </a:gdLst>
+            <a:ahLst/>
+            <a:cxnLst>
+              <a:cxn ang="0">
+                <a:pos x="connsiteX0" y="connsiteY0"/>
+              </a:cxn>
+              <a:cxn ang="0">
+                <a:pos x="connsiteX1" y="connsiteY1"/>
+              </a:cxn>
+              <a:cxn ang="0">
+                <a:pos x="connsiteX2" y="connsiteY2"/>
+              </a:cxn>
+              <a:cxn ang="0">
+                <a:pos x="connsiteX3" y="connsiteY3"/>
+              </a:cxn>
+            </a:cxnLst>
+            <a:rect l="l" t="t" r="r" b="b"/>
+            <a:pathLst>
+              <a:path w="4208489" h="5334001">
+                <a:moveTo>
+                  <a:pt x="1015642" y="0"/>
+                </a:moveTo>
+                <a:lnTo>
+                  <a:pt x="4208489" y="0"/>
+                </a:lnTo>
+                <a:lnTo>
+                  <a:pt x="4208489" y="5334001"/>
+                </a:lnTo>
+                <a:lnTo>
+                  <a:pt x="0" y="5334001"/>
+                </a:lnTo>
+                <a:close/>
+              </a:path>
+            </a:pathLst>
+          </a:custGeom>
+          <a:solidFill>
+            <a:schemeClr val="accent1"/>
+          </a:solidFill>
+          <a:ln>
+            <a:noFill/>
+          </a:ln>
+        </p:spPr>
+        <p:style>
+          <a:lnRef idx="2">
+            <a:schemeClr val="accent1">
+              <a:shade val="50000"/>
+            </a:schemeClr>
+          </a:lnRef>
+          <a:fillRef idx="1">
+            <a:schemeClr val="accent1"/>
+          </a:fillRef>
+          <a:effectRef idx="0">
+            <a:schemeClr val="accent1"/>
+          </a:effectRef>
+          <a:fontRef idx="minor">
+            <a:schemeClr val="lt1"/>
+          </a:fontRef>
+        </p:style>
+      </p:sp>
+      <p:sp>
+        <p:nvSpPr>
+          <p:cNvPr id="2" name="Title 1">
+            <a:extLst>
+              <a:ext uri="{FF2B5EF4-FFF2-40B4-BE49-F238E27FC236}">
+                <a16:creationId xmlns:a16="http://schemas.microsoft.com/office/drawing/2014/main" id="{F7DA3768-121A-3B4A-9BC3-D725727F2523}"/>
+              </a:ext>
+            </a:extLst>
+          </p:cNvPr>
+          <p:cNvSpPr>
+            <a:spLocks noGrp="1"/>
+          </p:cNvSpPr>
+          <p:nvPr>
+            <p:ph type="title"/>
+          </p:nvPr>
+        </p:nvSpPr>
+        <p:spPr>
+          <a:xfrm>
+            <a:off x="1069849" y="1298448"/>
+            <a:ext cx="7056444" cy="3255264"/>
+          </a:xfrm>
+        </p:spPr>
+        <p:txBody>
+          <a:bodyPr vert="horz" lIns="91440" tIns="45720" rIns="91440" bIns="45720" rtlCol="0" anchor="b">
+            <a:normAutofit/>
+          </a:bodyPr>
+          <a:lstStyle/>
+          <a:p>
+            <a:pPr algn="r"/>
+            <a:r>
+              <a:rPr lang="en-US" sz="5900" spc="-100" dirty="0">
+                <a:solidFill>
+                  <a:schemeClr val="accent1"/>
+                </a:solidFill>
+              </a:rPr>
+              <a:t>neo4j</a:t>
             </a:r>
           </a:p>
         </p:txBody>
@@ -4771,6 +5501,128 @@
     <p:extLst>
       <p:ext uri="{BB962C8B-B14F-4D97-AF65-F5344CB8AC3E}">
         <p14:creationId xmlns:p14="http://schemas.microsoft.com/office/powerpoint/2010/main" val="696271173"/>
+      </p:ext>
+    </p:extLst>
+  </p:cSld>
+  <p:clrMapOvr>
+    <a:masterClrMapping/>
+  </p:clrMapOvr>
+</p:sld>
+</file>
+
+<file path=ppt/slides/slide8.xml><?xml version="1.0" encoding="utf-8"?>
+<p:sld xmlns:a="http://schemas.openxmlformats.org/drawingml/2006/main" xmlns:r="http://schemas.openxmlformats.org/officeDocument/2006/relationships" xmlns:p="http://schemas.openxmlformats.org/presentationml/2006/main">
+  <p:cSld>
+    <p:spTree>
+      <p:nvGrpSpPr>
+        <p:cNvPr id="1" name=""/>
+        <p:cNvGrpSpPr/>
+        <p:nvPr/>
+      </p:nvGrpSpPr>
+      <p:grpSpPr>
+        <a:xfrm>
+          <a:off x="0" y="0"/>
+          <a:ext cx="0" cy="0"/>
+          <a:chOff x="0" y="0"/>
+          <a:chExt cx="0" cy="0"/>
+        </a:xfrm>
+      </p:grpSpPr>
+      <p:sp>
+        <p:nvSpPr>
+          <p:cNvPr id="2" name="Title 1">
+            <a:extLst>
+              <a:ext uri="{FF2B5EF4-FFF2-40B4-BE49-F238E27FC236}">
+                <a16:creationId xmlns:a16="http://schemas.microsoft.com/office/drawing/2014/main" id="{5B945A6C-51A8-DD45-B9A5-2277FE501085}"/>
+              </a:ext>
+            </a:extLst>
+          </p:cNvPr>
+          <p:cNvSpPr>
+            <a:spLocks noGrp="1"/>
+          </p:cNvSpPr>
+          <p:nvPr>
+            <p:ph type="title"/>
+          </p:nvPr>
+        </p:nvSpPr>
+        <p:spPr/>
+        <p:txBody>
+          <a:bodyPr/>
+          <a:lstStyle/>
+          <a:p>
+            <a:r>
+              <a:rPr lang="en-ES" dirty="0"/>
+              <a:t>Modelo de datos</a:t>
+            </a:r>
+          </a:p>
+        </p:txBody>
+      </p:sp>
+      <p:sp>
+        <p:nvSpPr>
+          <p:cNvPr id="3" name="Content Placeholder 2">
+            <a:extLst>
+              <a:ext uri="{FF2B5EF4-FFF2-40B4-BE49-F238E27FC236}">
+                <a16:creationId xmlns:a16="http://schemas.microsoft.com/office/drawing/2014/main" id="{0F8FF265-762B-A046-AE82-DC7129CD97FB}"/>
+              </a:ext>
+            </a:extLst>
+          </p:cNvPr>
+          <p:cNvSpPr>
+            <a:spLocks noGrp="1"/>
+          </p:cNvSpPr>
+          <p:nvPr>
+            <p:ph idx="1"/>
+          </p:nvPr>
+        </p:nvSpPr>
+        <p:spPr/>
+        <p:txBody>
+          <a:bodyPr/>
+          <a:lstStyle/>
+          <a:p>
+            <a:r>
+              <a:rPr lang="en-ES" dirty="0"/>
+              <a:t>:Etiquetas</a:t>
+            </a:r>
+          </a:p>
+          <a:p>
+            <a:endParaRPr lang="en-ES" dirty="0"/>
+          </a:p>
+          <a:p>
+            <a:r>
+              <a:rPr lang="en-ES" dirty="0"/>
+              <a:t>()-[Relaciones]-()</a:t>
+            </a:r>
+          </a:p>
+          <a:p>
+            <a:endParaRPr lang="en-ES" dirty="0"/>
+          </a:p>
+          <a:p>
+            <a:r>
+              <a:rPr lang="en-ES" dirty="0"/>
+              <a:t>Nodos : {</a:t>
+            </a:r>
+          </a:p>
+          <a:p>
+            <a:pPr marL="0" indent="0">
+              <a:buNone/>
+            </a:pPr>
+            <a:r>
+              <a:rPr lang="en-ES" dirty="0"/>
+              <a:t>	propiedades</a:t>
+            </a:r>
+          </a:p>
+          <a:p>
+            <a:pPr marL="0" indent="0">
+              <a:buNone/>
+            </a:pPr>
+            <a:r>
+              <a:rPr lang="en-ES" dirty="0"/>
+              <a:t>}</a:t>
+            </a:r>
+          </a:p>
+        </p:txBody>
+      </p:sp>
+    </p:spTree>
+    <p:extLst>
+      <p:ext uri="{BB962C8B-B14F-4D97-AF65-F5344CB8AC3E}">
+        <p14:creationId xmlns:p14="http://schemas.microsoft.com/office/powerpoint/2010/main" val="3084529247"/>
       </p:ext>
     </p:extLst>
   </p:cSld>
@@ -4802,7 +5654,7 @@
           <p:cNvPr id="2" name="Title 1">
             <a:extLst>
               <a:ext uri="{FF2B5EF4-FFF2-40B4-BE49-F238E27FC236}">
-                <a16:creationId xmlns:a16="http://schemas.microsoft.com/office/drawing/2014/main" id="{52567EEB-B9C2-CB40-8B4D-DBF65CB6410C}"/>
+                <a16:creationId xmlns:a16="http://schemas.microsoft.com/office/drawing/2014/main" id="{1E7B62F8-8830-F941-8079-41E602966496}"/>
               </a:ext>
             </a:extLst>
           </p:cNvPr>
@@ -4818,7 +5670,10 @@
           <a:bodyPr/>
           <a:lstStyle/>
           <a:p>
-            <a:endParaRPr lang="en-ES"/>
+            <a:r>
+              <a:rPr lang="en-ES" dirty="0"/>
+              <a:t>Cypher</a:t>
+            </a:r>
           </a:p>
         </p:txBody>
       </p:sp>
@@ -4827,7 +5682,7 @@
           <p:cNvPr id="3" name="Content Placeholder 2">
             <a:extLst>
               <a:ext uri="{FF2B5EF4-FFF2-40B4-BE49-F238E27FC236}">
-                <a16:creationId xmlns:a16="http://schemas.microsoft.com/office/drawing/2014/main" id="{E337E299-F9D1-D049-BECB-3FC03C17754F}"/>
+                <a16:creationId xmlns:a16="http://schemas.microsoft.com/office/drawing/2014/main" id="{4260040A-3E19-1E4F-A9DA-D6866E7F432D}"/>
               </a:ext>
             </a:extLst>
           </p:cNvPr>
@@ -4840,17 +5695,112 @@
         </p:nvSpPr>
         <p:spPr/>
         <p:txBody>
-          <a:bodyPr/>
-          <a:lstStyle/>
-          <a:p>
-            <a:endParaRPr lang="en-ES"/>
+          <a:bodyPr>
+            <a:normAutofit lnSpcReduction="10000"/>
+          </a:bodyPr>
+          <a:lstStyle/>
+          <a:p>
+            <a:endParaRPr lang="en-ES" sz="1800" dirty="0"/>
+          </a:p>
+          <a:p>
+            <a:r>
+              <a:rPr lang="en-ES" sz="2400" dirty="0"/>
+              <a:t>Lenguaje muy expresivo diseñado para manejar grafos</a:t>
+            </a:r>
+          </a:p>
+          <a:p>
+            <a:endParaRPr lang="en-ES" sz="1800" dirty="0"/>
+          </a:p>
+          <a:p>
+            <a:pPr marL="0" indent="0">
+              <a:buNone/>
+            </a:pPr>
+            <a:r>
+              <a:rPr lang="en-ES" sz="1800" dirty="0"/>
+              <a:t>LOAD CSV FROM "file:///node4jNames.csv" AS personas </a:t>
+            </a:r>
+          </a:p>
+          <a:p>
+            <a:pPr marL="0" indent="0">
+              <a:buNone/>
+            </a:pPr>
+            <a:r>
+              <a:rPr lang="en-ES" sz="1800" dirty="0"/>
+              <a:t>CREATE (:Persona{nombre: personas[0], edad: personas[1]})</a:t>
+            </a:r>
+          </a:p>
+          <a:p>
+            <a:endParaRPr lang="en-ES" sz="1800" dirty="0"/>
+          </a:p>
+          <a:p>
+            <a:pPr marL="0" indent="0">
+              <a:buNone/>
+            </a:pPr>
+            <a:r>
+              <a:rPr lang="en-ES" sz="1800" dirty="0"/>
+              <a:t>LOAD CSV FROM "file:///node4jProducts.csv" AS productos </a:t>
+            </a:r>
+          </a:p>
+          <a:p>
+            <a:pPr marL="0" indent="0">
+              <a:buNone/>
+            </a:pPr>
+            <a:r>
+              <a:rPr lang="en-ES" sz="1800" dirty="0"/>
+              <a:t>CREATE (:Producto{nombre: productos[0], precio: productos[1]})</a:t>
+            </a:r>
+          </a:p>
+          <a:p>
+            <a:pPr marL="0" indent="0">
+              <a:buNone/>
+            </a:pPr>
+            <a:endParaRPr lang="en-ES" sz="1800" dirty="0"/>
+          </a:p>
+          <a:p>
+            <a:pPr marL="0" indent="0">
+              <a:buNone/>
+            </a:pPr>
+            <a:r>
+              <a:rPr lang="en-ES" sz="1800" dirty="0"/>
+              <a:t>LOAD CSV FROM "file:///node4jSales.csv" AS sales </a:t>
+            </a:r>
+          </a:p>
+          <a:p>
+            <a:pPr marL="0" indent="0">
+              <a:buNone/>
+            </a:pPr>
+            <a:r>
+              <a:rPr lang="en-ES" sz="1800" dirty="0"/>
+              <a:t>MATCH (persona :Persona), (producto :Producto)</a:t>
+            </a:r>
+          </a:p>
+          <a:p>
+            <a:pPr marL="0" indent="0">
+              <a:buNone/>
+            </a:pPr>
+            <a:r>
+              <a:rPr lang="en-ES" sz="1800" dirty="0"/>
+              <a:t>WHERE persona.nombre=sales[0] AND producto.nombre=sales[1]</a:t>
+            </a:r>
+          </a:p>
+          <a:p>
+            <a:pPr marL="0" indent="0">
+              <a:buNone/>
+            </a:pPr>
+            <a:r>
+              <a:rPr lang="en-ES" sz="1800" dirty="0"/>
+              <a:t>CREATE (persona)-[:Compra]-&gt;(producto)</a:t>
+            </a:r>
+          </a:p>
+          <a:p>
+            <a:endParaRPr lang="en-ES" dirty="0"/>
           </a:p>
         </p:txBody>
       </p:sp>
     </p:spTree>
     <p:extLst>
       <p:ext uri="{BB962C8B-B14F-4D97-AF65-F5344CB8AC3E}">
-        <p14:creationId xmlns:p14="http://schemas.microsoft.com/office/powerpoint/2010/main" val="3829911783"/>
+        <p14:creationId xmlns:p14="http://schemas.microsoft.com/office/powerpoint/2010/main" val="753613483"/>
       </p:ext>
     </p:extLst>
   </p:cSld>
